--- a/SDDS_en.pptx
+++ b/SDDS_en.pptx
@@ -225,7 +225,7 @@
             <a:fld id="{A849C5AD-4428-4E9C-9C84-11B72C9365FB}" type="datetimeFigureOut">
               <a:rPr lang="en-US" smtClean="0"/>
               <a:pPr/>
-              <a:t>4/14/2019</a:t>
+              <a:t>8/30/2019</a:t>
             </a:fld>
             <a:endParaRPr lang="en-US" smtClean="0"/>
           </a:p>
@@ -379,7 +379,7 @@
             <a:fld id="{D7547E60-4BE7-4E4E-9AAA-5EE35AEC995C}" type="datetimeFigureOut">
               <a:rPr lang="en-US" smtClean="0"/>
               <a:pPr/>
-              <a:t>4/14/2019</a:t>
+              <a:t>8/30/2019</a:t>
             </a:fld>
             <a:endParaRPr lang="en-US" smtClean="0"/>
           </a:p>
@@ -1231,7 +1231,7 @@
             <a:fld id="{5C14FD69-4A85-4715-A222-ABB225B63BC6}" type="datetimeFigureOut">
               <a:rPr lang="en-US" smtClean="0"/>
               <a:pPr/>
-              <a:t>4/14/2019</a:t>
+              <a:t>8/30/2019</a:t>
             </a:fld>
             <a:endParaRPr lang="en-US"/>
           </a:p>
@@ -1410,7 +1410,7 @@
             <a:fld id="{5C14FD69-4A85-4715-A222-ABB225B63BC6}" type="datetimeFigureOut">
               <a:rPr lang="en-US" smtClean="0"/>
               <a:pPr/>
-              <a:t>4/14/2019</a:t>
+              <a:t>8/30/2019</a:t>
             </a:fld>
             <a:endParaRPr lang="en-US"/>
           </a:p>
@@ -1537,7 +1537,7 @@
             <a:fld id="{5C14FD69-4A85-4715-A222-ABB225B63BC6}" type="datetimeFigureOut">
               <a:rPr lang="en-US" smtClean="0"/>
               <a:pPr/>
-              <a:t>4/14/2019</a:t>
+              <a:t>8/30/2019</a:t>
             </a:fld>
             <a:endParaRPr lang="en-US"/>
           </a:p>
@@ -1630,7 +1630,7 @@
             <a:fld id="{5C14FD69-4A85-4715-A222-ABB225B63BC6}" type="datetimeFigureOut">
               <a:rPr lang="en-US" smtClean="0"/>
               <a:pPr/>
-              <a:t>4/14/2019</a:t>
+              <a:t>8/30/2019</a:t>
             </a:fld>
             <a:endParaRPr lang="en-US"/>
           </a:p>
@@ -1871,7 +1871,7 @@
             <a:fld id="{5C14FD69-4A85-4715-A222-ABB225B63BC6}" type="datetimeFigureOut">
               <a:rPr lang="en-US" smtClean="0"/>
               <a:pPr/>
-              <a:t>4/14/2019</a:t>
+              <a:t>8/30/2019</a:t>
             </a:fld>
             <a:endParaRPr lang="en-US"/>
           </a:p>
@@ -2050,7 +2050,7 @@
             <a:fld id="{5C14FD69-4A85-4715-A222-ABB225B63BC6}" type="datetimeFigureOut">
               <a:rPr lang="en-US" smtClean="0"/>
               <a:pPr/>
-              <a:t>4/14/2019</a:t>
+              <a:t>8/30/2019</a:t>
             </a:fld>
             <a:endParaRPr lang="en-US"/>
           </a:p>
@@ -2291,7 +2291,7 @@
             <a:fld id="{5C14FD69-4A85-4715-A222-ABB225B63BC6}" type="datetimeFigureOut">
               <a:rPr lang="en-US" smtClean="0"/>
               <a:pPr/>
-              <a:t>4/14/2019</a:t>
+              <a:t>8/30/2019</a:t>
             </a:fld>
             <a:endParaRPr lang="en-US"/>
           </a:p>
@@ -2565,7 +2565,7 @@
             <a:fld id="{5C14FD69-4A85-4715-A222-ABB225B63BC6}" type="datetimeFigureOut">
               <a:rPr lang="en-US" smtClean="0"/>
               <a:pPr/>
-              <a:t>4/14/2019</a:t>
+              <a:t>8/30/2019</a:t>
             </a:fld>
             <a:endParaRPr lang="en-US" sz="1000" dirty="0" smtClean="0"/>
           </a:p>
@@ -3607,11 +3607,7 @@
           <a:p>
             <a:r>
               <a:rPr lang="en-US" altLang="zh-CN" dirty="0" smtClean="0"/>
-              <a:t>Endian </a:t>
-            </a:r>
-            <a:r>
-              <a:rPr lang="en-US" altLang="zh-CN" dirty="0" smtClean="0"/>
-              <a:t>is setting with the values:</a:t>
+              <a:t>Endian is setting with the values:</a:t>
             </a:r>
           </a:p>
           <a:p>
@@ -5664,15 +5660,7 @@
             </a:r>
             <a:r>
               <a:rPr lang="en-US" altLang="zh-CN" dirty="0" smtClean="0"/>
-              <a:t>9: </a:t>
-            </a:r>
-            <a:r>
-              <a:rPr lang="en-US" altLang="zh-CN" dirty="0" smtClean="0"/>
-              <a:t>Complete  </a:t>
-            </a:r>
-            <a:r>
-              <a:rPr lang="en-US" altLang="zh-CN" dirty="0" smtClean="0"/>
-              <a:t>body</a:t>
+              <a:t>9: Complete  body</a:t>
             </a:r>
             <a:r>
               <a:rPr lang="zh-CN" altLang="en-US" dirty="0" smtClean="0"/>
@@ -6050,11 +6038,7 @@
             </a:r>
             <a:r>
               <a:rPr lang="en-US" altLang="zh-CN" dirty="0" smtClean="0"/>
-              <a:t>Complete </a:t>
-            </a:r>
-            <a:r>
-              <a:rPr lang="en-US" altLang="zh-CN" dirty="0" smtClean="0"/>
-              <a:t>body</a:t>
+              <a:t>Complete body</a:t>
             </a:r>
             <a:r>
               <a:rPr lang="zh-CN" altLang="en-US" dirty="0" smtClean="0"/>
@@ -6139,11 +6123,7 @@
             </a:r>
             <a:r>
               <a:rPr lang="en-US" altLang="zh-CN" dirty="0" smtClean="0"/>
-              <a:t>is  short word of </a:t>
-            </a:r>
-            <a:r>
-              <a:rPr lang="en-US" altLang="zh-CN" dirty="0" smtClean="0"/>
-              <a:t>"stream </a:t>
+              <a:t>is  short word of "stream </a:t>
             </a:r>
             <a:r>
               <a:rPr lang="en-US" altLang="zh-CN" dirty="0"/>
@@ -6153,7 +6133,6 @@
               <a:rPr lang="en-US" altLang="zh-CN" dirty="0" smtClean="0"/>
               <a:t>structure".</a:t>
             </a:r>
-            <a:endParaRPr lang="en-US" altLang="zh-CN" dirty="0" smtClean="0"/>
           </a:p>
           <a:p>
             <a:r>
@@ -6184,11 +6163,7 @@
             <a:pPr lvl="1"/>
             <a:r>
               <a:rPr lang="en-US" altLang="zh-CN" dirty="0" smtClean="0"/>
-              <a:t>The schema of </a:t>
-            </a:r>
-            <a:r>
-              <a:rPr lang="en-US" altLang="zh-CN" dirty="0" smtClean="0"/>
-              <a:t>SDDS is </a:t>
+              <a:t>The schema of SDDS is </a:t>
             </a:r>
             <a:r>
               <a:rPr lang="en-US" altLang="zh-CN" dirty="0"/>
@@ -6209,15 +6184,7 @@
             <a:pPr lvl="1"/>
             <a:r>
               <a:rPr lang="en-US" altLang="zh-CN" dirty="0" smtClean="0"/>
-              <a:t>SDDS is a parse engine coded according the SDDS Specification. You can rapid </a:t>
-            </a:r>
-            <a:r>
-              <a:rPr lang="en-US" altLang="zh-CN" dirty="0" smtClean="0"/>
-              <a:t>complete the </a:t>
-            </a:r>
-            <a:r>
-              <a:rPr lang="en-US" altLang="zh-CN" dirty="0" smtClean="0"/>
-              <a:t>developing of the binary </a:t>
+              <a:t>SDDS is a parse engine coded according the SDDS Specification. You can rapid complete the developing of the binary </a:t>
             </a:r>
             <a:r>
               <a:rPr lang="en-US" altLang="zh-CN" dirty="0"/>
@@ -7473,15 +7440,7 @@
             </a:r>
             <a:r>
               <a:rPr lang="en-US" altLang="zh-CN" dirty="0" smtClean="0"/>
-              <a:t>10: </a:t>
-            </a:r>
-            <a:r>
-              <a:rPr lang="en-US" altLang="zh-CN" dirty="0" smtClean="0"/>
-              <a:t>Complete </a:t>
-            </a:r>
-            <a:r>
-              <a:rPr lang="en-US" altLang="zh-CN" dirty="0" smtClean="0"/>
-              <a:t>the node of history data</a:t>
+              <a:t>10: Complete the node of history data</a:t>
             </a:r>
             <a:endParaRPr lang="zh-CN" altLang="en-US" dirty="0"/>
           </a:p>
@@ -7543,26 +7502,14 @@
           <a:p>
             <a:r>
               <a:rPr lang="en-US" altLang="zh-CN" dirty="0" smtClean="0"/>
-              <a:t>Complete </a:t>
-            </a:r>
-            <a:r>
-              <a:rPr lang="en-US" altLang="zh-CN" dirty="0" smtClean="0"/>
-              <a:t>the all node.</a:t>
+              <a:t>Complete the all node.</a:t>
             </a:r>
           </a:p>
           <a:p>
             <a:pPr lvl="1"/>
             <a:r>
               <a:rPr lang="en-US" altLang="zh-CN" dirty="0" smtClean="0"/>
-              <a:t>Now we have learned the all type of nodes of SDDS. And we could  </a:t>
-            </a:r>
-            <a:r>
-              <a:rPr lang="en-US" altLang="zh-CN" dirty="0" smtClean="0"/>
-              <a:t>complete </a:t>
-            </a:r>
-            <a:r>
-              <a:rPr lang="en-US" altLang="zh-CN" dirty="0" smtClean="0"/>
-              <a:t>all the node already. </a:t>
+              <a:t>Now we have learned the all type of nodes of SDDS. And we could  complete all the node already. </a:t>
             </a:r>
           </a:p>
           <a:p>
@@ -7588,13 +7535,8 @@
           <a:p>
             <a:r>
               <a:rPr lang="en-US" altLang="zh-CN" dirty="0" smtClean="0"/>
-              <a:t>Write the validate and pack and unpack </a:t>
-            </a:r>
-            <a:r>
-              <a:rPr lang="en-US" altLang="zh-CN" dirty="0" smtClean="0"/>
-              <a:t>program</a:t>
-            </a:r>
-            <a:endParaRPr lang="en-US" altLang="zh-CN" dirty="0" smtClean="0"/>
+              <a:t>Write the validate and pack and unpack program</a:t>
+            </a:r>
           </a:p>
           <a:p>
             <a:pPr lvl="1"/>
@@ -7691,7 +7633,7 @@
           <a:p>
             <a:r>
               <a:rPr lang="en-US" altLang="zh-CN" sz="2000" dirty="0" err="1" smtClean="0"/>
-              <a:t>after_change</a:t>
+              <a:t>after_action</a:t>
             </a:r>
             <a:endParaRPr lang="en-US" altLang="zh-CN" sz="2000" dirty="0" smtClean="0"/>
           </a:p>
@@ -7710,7 +7652,7 @@
           <a:p>
             <a:r>
               <a:rPr lang="en-US" altLang="zh-CN" sz="2000" dirty="0" err="1" smtClean="0"/>
-              <a:t>before_change</a:t>
+              <a:t>before_action</a:t>
             </a:r>
             <a:endParaRPr lang="en-US" altLang="zh-CN" sz="2000" dirty="0" smtClean="0"/>
           </a:p>
@@ -8364,19 +8306,7 @@
             <a:pPr lvl="1"/>
             <a:r>
               <a:rPr lang="en-US" altLang="zh-CN" dirty="0" smtClean="0"/>
-              <a:t>With SDDS JSON schema, </a:t>
-            </a:r>
-            <a:r>
-              <a:rPr lang="en-US" altLang="zh-CN" dirty="0" smtClean="0"/>
-              <a:t>it is no </a:t>
-            </a:r>
-            <a:r>
-              <a:rPr lang="en-US" altLang="zh-CN" dirty="0" smtClean="0"/>
-              <a:t>longer </a:t>
-            </a:r>
-            <a:r>
-              <a:rPr lang="en-US" altLang="zh-CN" dirty="0" smtClean="0"/>
-              <a:t>required that </a:t>
+              <a:t>With SDDS JSON schema, it is no longer required that </a:t>
             </a:r>
             <a:r>
               <a:rPr lang="en-US" altLang="zh-CN" dirty="0"/>
@@ -8386,7 +8316,6 @@
               <a:rPr lang="en-US" altLang="zh-CN" dirty="0" smtClean="0"/>
               <a:t>program.</a:t>
             </a:r>
-            <a:endParaRPr lang="en-US" altLang="zh-CN" dirty="0" smtClean="0"/>
           </a:p>
           <a:p>
             <a:pPr lvl="1"/>
@@ -8396,23 +8325,7 @@
                   <a:srgbClr val="FF0000"/>
                 </a:solidFill>
               </a:rPr>
-              <a:t>Ordinary you project finished in </a:t>
-            </a:r>
-            <a:r>
-              <a:rPr lang="en-US" altLang="zh-CN" dirty="0" smtClean="0">
-                <a:solidFill>
-                  <a:srgbClr val="FF0000"/>
-                </a:solidFill>
-              </a:rPr>
-              <a:t>months without SDDS. </a:t>
-            </a:r>
-            <a:r>
-              <a:rPr lang="en-US" altLang="zh-CN" dirty="0" smtClean="0">
-                <a:solidFill>
-                  <a:srgbClr val="FF0000"/>
-                </a:solidFill>
-              </a:rPr>
-              <a:t>After using SDDS the project will finished in weeks.</a:t>
+              <a:t>Ordinary you project finished in months without SDDS. After using SDDS the project will finished in weeks.</a:t>
             </a:r>
           </a:p>
           <a:p>
@@ -9093,11 +9006,7 @@
           <a:p>
             <a:r>
               <a:rPr lang="en-US" altLang="zh-CN" dirty="0" smtClean="0"/>
-              <a:t>SDDS </a:t>
-            </a:r>
-            <a:r>
-              <a:rPr lang="en-US" altLang="zh-CN" dirty="0" smtClean="0"/>
-              <a:t>Cheat Sheet</a:t>
+              <a:t>SDDS Cheat Sheet</a:t>
             </a:r>
           </a:p>
           <a:p>
@@ -9118,11 +9027,7 @@
           <a:p>
             <a:r>
               <a:rPr lang="en-US" altLang="zh-CN" dirty="0" smtClean="0"/>
-              <a:t>Technical </a:t>
-            </a:r>
-            <a:r>
-              <a:rPr lang="en-US" altLang="zh-CN" dirty="0" smtClean="0"/>
-              <a:t>Support:</a:t>
+              <a:t>Technical Support:</a:t>
             </a:r>
           </a:p>
           <a:p>
@@ -9614,17 +9519,8 @@
             <a:pPr lvl="1"/>
             <a:r>
               <a:rPr lang="en-US" altLang="zh-CN" dirty="0" smtClean="0"/>
-              <a:t>And the custom </a:t>
-            </a:r>
-            <a:r>
-              <a:rPr lang="en-US" altLang="zh-CN" dirty="0" smtClean="0"/>
-              <a:t>data type could be added </a:t>
-            </a:r>
-            <a:r>
-              <a:rPr lang="en-US" altLang="zh-CN" dirty="0" smtClean="0"/>
-              <a:t>in the extensions.</a:t>
-            </a:r>
-            <a:endParaRPr lang="en-US" altLang="zh-CN" dirty="0" smtClean="0"/>
+              <a:t>And the custom data type could be added in the extensions.</a:t>
+            </a:r>
           </a:p>
           <a:p>
             <a:r>
@@ -9709,15 +9605,7 @@
             <a:pPr lvl="1"/>
             <a:r>
               <a:rPr lang="en-US" altLang="zh-CN" dirty="0" smtClean="0"/>
-              <a:t>Un</a:t>
-            </a:r>
-            <a:r>
-              <a:rPr lang="en-US" altLang="zh-CN" dirty="0" smtClean="0"/>
-              <a:t>like </a:t>
-            </a:r>
-            <a:r>
-              <a:rPr lang="en-US" altLang="zh-CN" dirty="0" smtClean="0"/>
-              <a:t>other DSL of binary stream</a:t>
+              <a:t>Unlike other DSL of binary stream</a:t>
             </a:r>
             <a:r>
               <a:rPr lang="en-US" altLang="zh-CN" dirty="0"/>
@@ -9725,11 +9613,7 @@
             </a:r>
             <a:r>
               <a:rPr lang="en-US" altLang="zh-CN" dirty="0" smtClean="0"/>
-              <a:t>is not </a:t>
-            </a:r>
-            <a:r>
-              <a:rPr lang="en-US" altLang="zh-CN" dirty="0" smtClean="0"/>
-              <a:t>required in SDDS. With </a:t>
+              <a:t>is not required in SDDS. With </a:t>
             </a:r>
             <a:r>
               <a:rPr lang="en-US" altLang="zh-CN" dirty="0"/>
@@ -9745,15 +9629,7 @@
             </a:r>
             <a:r>
               <a:rPr lang="en-US" altLang="zh-CN" dirty="0" smtClean="0"/>
-              <a:t>common classes. </a:t>
-            </a:r>
-            <a:r>
-              <a:rPr lang="en-US" altLang="zh-CN" dirty="0" smtClean="0"/>
-              <a:t> So </a:t>
-            </a:r>
-            <a:r>
-              <a:rPr lang="en-US" altLang="zh-CN" dirty="0" smtClean="0"/>
-              <a:t>you only need to do:  write the schema, and add some function in the extension class. That is all.  </a:t>
+              <a:t>common classes.  So you only need to do:  write the schema, and add some function in the extension class. That is all.  </a:t>
             </a:r>
             <a:endParaRPr lang="en-US" altLang="zh-CN" dirty="0"/>
           </a:p>
